--- a/6_TWG/1_TWG_6th_Meeting.pptx
+++ b/6_TWG/1_TWG_6th_Meeting.pptx
@@ -5,7 +5,7 @@
     <p:sldMasterId id="2147483648" r:id="rId1"/>
   </p:sldMasterIdLst>
   <p:notesMasterIdLst>
-    <p:notesMasterId r:id="rId17"/>
+    <p:notesMasterId r:id="rId18"/>
   </p:notesMasterIdLst>
   <p:sldIdLst>
     <p:sldId id="256" r:id="rId2"/>
@@ -23,6 +23,7 @@
     <p:sldId id="446" r:id="rId14"/>
     <p:sldId id="443" r:id="rId15"/>
     <p:sldId id="404" r:id="rId16"/>
+    <p:sldId id="447" r:id="rId17"/>
   </p:sldIdLst>
   <p:sldSz cx="12192000" cy="6858000"/>
   <p:notesSz cx="6858000" cy="9144000"/>
@@ -211,7 +212,7 @@
           <a:p>
             <a:fld id="{8BB7ABC1-5C10-4093-89A3-B8BBAC21A98C}" type="datetimeFigureOut">
               <a:rPr lang="en-SG" smtClean="0"/>
-              <a:t>3/5/2019</a:t>
+              <a:t>15/5/2019</a:t>
             </a:fld>
             <a:endParaRPr lang="en-SG"/>
           </a:p>
@@ -1268,6 +1269,277 @@
 </p:notes>
 </file>
 
+<file path=ppt/notesSlides/notesSlide16.xml><?xml version="1.0" encoding="utf-8"?>
+<p:notes xmlns:a="http://schemas.openxmlformats.org/drawingml/2006/main" xmlns:r="http://schemas.openxmlformats.org/officeDocument/2006/relationships" xmlns:p="http://schemas.openxmlformats.org/presentationml/2006/main">
+  <p:cSld>
+    <p:spTree>
+      <p:nvGrpSpPr>
+        <p:cNvPr id="1" name=""/>
+        <p:cNvGrpSpPr/>
+        <p:nvPr/>
+      </p:nvGrpSpPr>
+      <p:grpSpPr>
+        <a:xfrm>
+          <a:off x="0" y="0"/>
+          <a:ext cx="0" cy="0"/>
+          <a:chOff x="0" y="0"/>
+          <a:chExt cx="0" cy="0"/>
+        </a:xfrm>
+      </p:grpSpPr>
+      <p:sp>
+        <p:nvSpPr>
+          <p:cNvPr id="62466" name="Slide Image Placeholder 1"/>
+          <p:cNvSpPr>
+            <a:spLocks noGrp="1" noRot="1" noChangeAspect="1" noTextEdit="1"/>
+          </p:cNvSpPr>
+          <p:nvPr>
+            <p:ph type="sldImg"/>
+          </p:nvPr>
+        </p:nvSpPr>
+        <p:spPr bwMode="auto">
+          <a:noFill/>
+          <a:ln>
+            <a:solidFill>
+              <a:srgbClr val="000000"/>
+            </a:solidFill>
+            <a:miter lim="800000"/>
+            <a:headEnd/>
+            <a:tailEnd/>
+          </a:ln>
+          <a:extLst>
+            <a:ext uri="{909E8E84-426E-40DD-AFC4-6F175D3DCCD1}">
+              <a14:hiddenFill xmlns:a14="http://schemas.microsoft.com/office/drawing/2010/main">
+                <a:solidFill>
+                  <a:srgbClr val="FFFFFF"/>
+                </a:solidFill>
+              </a14:hiddenFill>
+            </a:ext>
+          </a:extLst>
+        </p:spPr>
+      </p:sp>
+      <p:sp>
+        <p:nvSpPr>
+          <p:cNvPr id="62467" name="Notes Placeholder 2"/>
+          <p:cNvSpPr>
+            <a:spLocks noGrp="1"/>
+          </p:cNvSpPr>
+          <p:nvPr>
+            <p:ph type="body" idx="1"/>
+          </p:nvPr>
+        </p:nvSpPr>
+        <p:spPr bwMode="auto">
+          <a:noFill/>
+          <a:extLst>
+            <a:ext uri="{909E8E84-426E-40DD-AFC4-6F175D3DCCD1}">
+              <a14:hiddenFill xmlns:a14="http://schemas.microsoft.com/office/drawing/2010/main">
+                <a:solidFill>
+                  <a:srgbClr val="FFFFFF"/>
+                </a:solidFill>
+              </a14:hiddenFill>
+            </a:ext>
+            <a:ext uri="{91240B29-F687-4F45-9708-019B960494DF}">
+              <a14:hiddenLine xmlns:a14="http://schemas.microsoft.com/office/drawing/2010/main" w="9525">
+                <a:solidFill>
+                  <a:srgbClr val="000000"/>
+                </a:solidFill>
+                <a:miter lim="800000"/>
+                <a:headEnd/>
+                <a:tailEnd/>
+              </a14:hiddenLine>
+            </a:ext>
+          </a:extLst>
+        </p:spPr>
+        <p:txBody>
+          <a:bodyPr/>
+          <a:lstStyle/>
+          <a:p>
+            <a:endParaRPr lang="en-US" altLang="en-US" smtClean="0"/>
+          </a:p>
+        </p:txBody>
+      </p:sp>
+      <p:sp>
+        <p:nvSpPr>
+          <p:cNvPr id="62468" name="Slide Number Placeholder 3"/>
+          <p:cNvSpPr>
+            <a:spLocks noGrp="1"/>
+          </p:cNvSpPr>
+          <p:nvPr>
+            <p:ph type="sldNum" sz="quarter" idx="5"/>
+          </p:nvPr>
+        </p:nvSpPr>
+        <p:spPr bwMode="auto">
+          <a:noFill/>
+          <a:extLst>
+            <a:ext uri="{909E8E84-426E-40DD-AFC4-6F175D3DCCD1}">
+              <a14:hiddenFill xmlns:a14="http://schemas.microsoft.com/office/drawing/2010/main">
+                <a:solidFill>
+                  <a:srgbClr val="FFFFFF"/>
+                </a:solidFill>
+              </a14:hiddenFill>
+            </a:ext>
+            <a:ext uri="{91240B29-F687-4F45-9708-019B960494DF}">
+              <a14:hiddenLine xmlns:a14="http://schemas.microsoft.com/office/drawing/2010/main" w="9525">
+                <a:solidFill>
+                  <a:srgbClr val="000000"/>
+                </a:solidFill>
+                <a:miter lim="800000"/>
+                <a:headEnd/>
+                <a:tailEnd/>
+              </a14:hiddenLine>
+            </a:ext>
+          </a:extLst>
+        </p:spPr>
+        <p:txBody>
+          <a:bodyPr/>
+          <a:lstStyle>
+            <a:lvl1pPr>
+              <a:spcBef>
+                <a:spcPct val="30000"/>
+              </a:spcBef>
+              <a:defRPr sz="1200">
+                <a:solidFill>
+                  <a:schemeClr val="tx1"/>
+                </a:solidFill>
+                <a:latin typeface="Calibri" panose="020F0502020204030204" pitchFamily="34" charset="0"/>
+              </a:defRPr>
+            </a:lvl1pPr>
+            <a:lvl2pPr marL="742950" indent="-285750">
+              <a:spcBef>
+                <a:spcPct val="30000"/>
+              </a:spcBef>
+              <a:defRPr sz="1200">
+                <a:solidFill>
+                  <a:schemeClr val="tx1"/>
+                </a:solidFill>
+                <a:latin typeface="Calibri" panose="020F0502020204030204" pitchFamily="34" charset="0"/>
+              </a:defRPr>
+            </a:lvl2pPr>
+            <a:lvl3pPr marL="1143000" indent="-228600">
+              <a:spcBef>
+                <a:spcPct val="30000"/>
+              </a:spcBef>
+              <a:defRPr sz="1200">
+                <a:solidFill>
+                  <a:schemeClr val="tx1"/>
+                </a:solidFill>
+                <a:latin typeface="Calibri" panose="020F0502020204030204" pitchFamily="34" charset="0"/>
+              </a:defRPr>
+            </a:lvl3pPr>
+            <a:lvl4pPr marL="1600200" indent="-228600">
+              <a:spcBef>
+                <a:spcPct val="30000"/>
+              </a:spcBef>
+              <a:defRPr sz="1200">
+                <a:solidFill>
+                  <a:schemeClr val="tx1"/>
+                </a:solidFill>
+                <a:latin typeface="Calibri" panose="020F0502020204030204" pitchFamily="34" charset="0"/>
+              </a:defRPr>
+            </a:lvl4pPr>
+            <a:lvl5pPr marL="2057400" indent="-228600">
+              <a:spcBef>
+                <a:spcPct val="30000"/>
+              </a:spcBef>
+              <a:defRPr sz="1200">
+                <a:solidFill>
+                  <a:schemeClr val="tx1"/>
+                </a:solidFill>
+                <a:latin typeface="Calibri" panose="020F0502020204030204" pitchFamily="34" charset="0"/>
+              </a:defRPr>
+            </a:lvl5pPr>
+            <a:lvl6pPr marL="2514600" indent="-228600" eaLnBrk="0" fontAlgn="base" hangingPunct="0">
+              <a:spcBef>
+                <a:spcPct val="30000"/>
+              </a:spcBef>
+              <a:spcAft>
+                <a:spcPct val="0"/>
+              </a:spcAft>
+              <a:defRPr sz="1200">
+                <a:solidFill>
+                  <a:schemeClr val="tx1"/>
+                </a:solidFill>
+                <a:latin typeface="Calibri" panose="020F0502020204030204" pitchFamily="34" charset="0"/>
+              </a:defRPr>
+            </a:lvl6pPr>
+            <a:lvl7pPr marL="2971800" indent="-228600" eaLnBrk="0" fontAlgn="base" hangingPunct="0">
+              <a:spcBef>
+                <a:spcPct val="30000"/>
+              </a:spcBef>
+              <a:spcAft>
+                <a:spcPct val="0"/>
+              </a:spcAft>
+              <a:defRPr sz="1200">
+                <a:solidFill>
+                  <a:schemeClr val="tx1"/>
+                </a:solidFill>
+                <a:latin typeface="Calibri" panose="020F0502020204030204" pitchFamily="34" charset="0"/>
+              </a:defRPr>
+            </a:lvl7pPr>
+            <a:lvl8pPr marL="3429000" indent="-228600" eaLnBrk="0" fontAlgn="base" hangingPunct="0">
+              <a:spcBef>
+                <a:spcPct val="30000"/>
+              </a:spcBef>
+              <a:spcAft>
+                <a:spcPct val="0"/>
+              </a:spcAft>
+              <a:defRPr sz="1200">
+                <a:solidFill>
+                  <a:schemeClr val="tx1"/>
+                </a:solidFill>
+                <a:latin typeface="Calibri" panose="020F0502020204030204" pitchFamily="34" charset="0"/>
+              </a:defRPr>
+            </a:lvl8pPr>
+            <a:lvl9pPr marL="3886200" indent="-228600" eaLnBrk="0" fontAlgn="base" hangingPunct="0">
+              <a:spcBef>
+                <a:spcPct val="30000"/>
+              </a:spcBef>
+              <a:spcAft>
+                <a:spcPct val="0"/>
+              </a:spcAft>
+              <a:defRPr sz="1200">
+                <a:solidFill>
+                  <a:schemeClr val="tx1"/>
+                </a:solidFill>
+                <a:latin typeface="Calibri" panose="020F0502020204030204" pitchFamily="34" charset="0"/>
+              </a:defRPr>
+            </a:lvl9pPr>
+          </a:lstStyle>
+          <a:p>
+            <a:pPr>
+              <a:spcBef>
+                <a:spcPct val="0"/>
+              </a:spcBef>
+            </a:pPr>
+            <a:fld id="{0B8AE1E2-0D00-4FE7-99E4-13389250025B}" type="slidenum">
+              <a:rPr lang="en-SG" altLang="en-US">
+                <a:latin typeface="Arial" panose="020B0604020202020204" pitchFamily="34" charset="0"/>
+              </a:rPr>
+              <a:pPr>
+                <a:spcBef>
+                  <a:spcPct val="0"/>
+                </a:spcBef>
+              </a:pPr>
+              <a:t>16</a:t>
+            </a:fld>
+            <a:endParaRPr lang="en-SG" altLang="en-US">
+              <a:latin typeface="Arial" panose="020B0604020202020204" pitchFamily="34" charset="0"/>
+            </a:endParaRPr>
+          </a:p>
+        </p:txBody>
+      </p:sp>
+    </p:spTree>
+    <p:extLst>
+      <p:ext uri="{BB962C8B-B14F-4D97-AF65-F5344CB8AC3E}">
+        <p14:creationId xmlns:p14="http://schemas.microsoft.com/office/powerpoint/2010/main" val="2062839295"/>
+      </p:ext>
+    </p:extLst>
+  </p:cSld>
+  <p:clrMapOvr>
+    <a:masterClrMapping/>
+  </p:clrMapOvr>
+</p:notes>
+</file>
+
 <file path=ppt/notesSlides/notesSlide2.xml><?xml version="1.0" encoding="utf-8"?>
 <p:notes xmlns:a="http://schemas.openxmlformats.org/drawingml/2006/main" xmlns:r="http://schemas.openxmlformats.org/officeDocument/2006/relationships" xmlns:p="http://schemas.openxmlformats.org/presentationml/2006/main">
   <p:cSld>
@@ -2258,7 +2530,7 @@
           <a:p>
             <a:fld id="{A6C6CEC5-55F2-490B-BCC4-77376992D409}" type="datetimeFigureOut">
               <a:rPr lang="en-SG" smtClean="0"/>
-              <a:t>3/5/2019</a:t>
+              <a:t>15/5/2019</a:t>
             </a:fld>
             <a:endParaRPr lang="en-SG"/>
           </a:p>
@@ -2428,7 +2700,7 @@
           <a:p>
             <a:fld id="{A6C6CEC5-55F2-490B-BCC4-77376992D409}" type="datetimeFigureOut">
               <a:rPr lang="en-SG" smtClean="0"/>
-              <a:t>3/5/2019</a:t>
+              <a:t>15/5/2019</a:t>
             </a:fld>
             <a:endParaRPr lang="en-SG"/>
           </a:p>
@@ -2608,7 +2880,7 @@
           <a:p>
             <a:fld id="{A6C6CEC5-55F2-490B-BCC4-77376992D409}" type="datetimeFigureOut">
               <a:rPr lang="en-SG" smtClean="0"/>
-              <a:t>3/5/2019</a:t>
+              <a:t>15/5/2019</a:t>
             </a:fld>
             <a:endParaRPr lang="en-SG"/>
           </a:p>
@@ -2778,7 +3050,7 @@
           <a:p>
             <a:fld id="{A6C6CEC5-55F2-490B-BCC4-77376992D409}" type="datetimeFigureOut">
               <a:rPr lang="en-SG" smtClean="0"/>
-              <a:t>3/5/2019</a:t>
+              <a:t>15/5/2019</a:t>
             </a:fld>
             <a:endParaRPr lang="en-SG"/>
           </a:p>
@@ -3024,7 +3296,7 @@
           <a:p>
             <a:fld id="{A6C6CEC5-55F2-490B-BCC4-77376992D409}" type="datetimeFigureOut">
               <a:rPr lang="en-SG" smtClean="0"/>
-              <a:t>3/5/2019</a:t>
+              <a:t>15/5/2019</a:t>
             </a:fld>
             <a:endParaRPr lang="en-SG"/>
           </a:p>
@@ -3256,7 +3528,7 @@
           <a:p>
             <a:fld id="{A6C6CEC5-55F2-490B-BCC4-77376992D409}" type="datetimeFigureOut">
               <a:rPr lang="en-SG" smtClean="0"/>
-              <a:t>3/5/2019</a:t>
+              <a:t>15/5/2019</a:t>
             </a:fld>
             <a:endParaRPr lang="en-SG"/>
           </a:p>
@@ -3623,7 +3895,7 @@
           <a:p>
             <a:fld id="{A6C6CEC5-55F2-490B-BCC4-77376992D409}" type="datetimeFigureOut">
               <a:rPr lang="en-SG" smtClean="0"/>
-              <a:t>3/5/2019</a:t>
+              <a:t>15/5/2019</a:t>
             </a:fld>
             <a:endParaRPr lang="en-SG"/>
           </a:p>
@@ -3741,7 +4013,7 @@
           <a:p>
             <a:fld id="{A6C6CEC5-55F2-490B-BCC4-77376992D409}" type="datetimeFigureOut">
               <a:rPr lang="en-SG" smtClean="0"/>
-              <a:t>3/5/2019</a:t>
+              <a:t>15/5/2019</a:t>
             </a:fld>
             <a:endParaRPr lang="en-SG"/>
           </a:p>
@@ -3836,7 +4108,7 @@
           <a:p>
             <a:fld id="{A6C6CEC5-55F2-490B-BCC4-77376992D409}" type="datetimeFigureOut">
               <a:rPr lang="en-SG" smtClean="0"/>
-              <a:t>3/5/2019</a:t>
+              <a:t>15/5/2019</a:t>
             </a:fld>
             <a:endParaRPr lang="en-SG"/>
           </a:p>
@@ -4113,7 +4385,7 @@
           <a:p>
             <a:fld id="{A6C6CEC5-55F2-490B-BCC4-77376992D409}" type="datetimeFigureOut">
               <a:rPr lang="en-SG" smtClean="0"/>
-              <a:t>3/5/2019</a:t>
+              <a:t>15/5/2019</a:t>
             </a:fld>
             <a:endParaRPr lang="en-SG"/>
           </a:p>
@@ -4366,7 +4638,7 @@
           <a:p>
             <a:fld id="{A6C6CEC5-55F2-490B-BCC4-77376992D409}" type="datetimeFigureOut">
               <a:rPr lang="en-SG" smtClean="0"/>
-              <a:t>3/5/2019</a:t>
+              <a:t>15/5/2019</a:t>
             </a:fld>
             <a:endParaRPr lang="en-SG"/>
           </a:p>
@@ -4579,7 +4851,7 @@
           <a:p>
             <a:fld id="{A6C6CEC5-55F2-490B-BCC4-77376992D409}" type="datetimeFigureOut">
               <a:rPr lang="en-SG" smtClean="0"/>
-              <a:t>3/5/2019</a:t>
+              <a:t>15/5/2019</a:t>
             </a:fld>
             <a:endParaRPr lang="en-SG"/>
           </a:p>
@@ -5770,15 +6042,7 @@
                   <a:schemeClr val="tx1"/>
                 </a:solidFill>
               </a:rPr>
-              <a:t>Specification finalisation and </a:t>
-            </a:r>
-            <a:r>
-              <a:rPr lang="en-SG" sz="4800" dirty="0" smtClean="0">
-                <a:solidFill>
-                  <a:schemeClr val="tx1"/>
-                </a:solidFill>
-              </a:rPr>
-              <a:t>sign-off</a:t>
+              <a:t>Specification finalisation and sign-off</a:t>
             </a:r>
           </a:p>
           <a:p>
@@ -6062,15 +6326,7 @@
                   <a:schemeClr val="tx1"/>
                 </a:solidFill>
               </a:rPr>
-              <a:t>orex layer </a:t>
-            </a:r>
-            <a:r>
-              <a:rPr lang="en-SG" sz="8000" dirty="0" smtClean="0">
-                <a:solidFill>
-                  <a:schemeClr val="tx1"/>
-                </a:solidFill>
-              </a:rPr>
-              <a:t>sharing</a:t>
+              <a:t>orex layer sharing</a:t>
             </a:r>
           </a:p>
           <a:p>
@@ -6595,6 +6851,506 @@
     <p:extLst>
       <p:ext uri="{BB962C8B-B14F-4D97-AF65-F5344CB8AC3E}">
         <p14:creationId xmlns:p14="http://schemas.microsoft.com/office/powerpoint/2010/main" val="1178125972"/>
+      </p:ext>
+    </p:extLst>
+  </p:cSld>
+  <p:clrMapOvr>
+    <a:masterClrMapping/>
+  </p:clrMapOvr>
+  <p:timing>
+    <p:tnLst>
+      <p:par>
+        <p:cTn id="1" dur="indefinite" restart="never" nodeType="tmRoot"/>
+      </p:par>
+    </p:tnLst>
+  </p:timing>
+</p:sld>
+</file>
+
+<file path=ppt/slides/slide16.xml><?xml version="1.0" encoding="utf-8"?>
+<p:sld xmlns:a="http://schemas.openxmlformats.org/drawingml/2006/main" xmlns:r="http://schemas.openxmlformats.org/officeDocument/2006/relationships" xmlns:p="http://schemas.openxmlformats.org/presentationml/2006/main">
+  <p:cSld>
+    <p:spTree>
+      <p:nvGrpSpPr>
+        <p:cNvPr id="1" name=""/>
+        <p:cNvGrpSpPr/>
+        <p:nvPr/>
+      </p:nvGrpSpPr>
+      <p:grpSpPr>
+        <a:xfrm>
+          <a:off x="0" y="0"/>
+          <a:ext cx="0" cy="0"/>
+          <a:chOff x="0" y="0"/>
+          <a:chExt cx="0" cy="0"/>
+        </a:xfrm>
+      </p:grpSpPr>
+      <p:sp>
+        <p:nvSpPr>
+          <p:cNvPr id="61442" name="Slide Number Placeholder 1"/>
+          <p:cNvSpPr>
+            <a:spLocks noGrp="1"/>
+          </p:cNvSpPr>
+          <p:nvPr>
+            <p:ph type="sldNum" sz="quarter" idx="12"/>
+          </p:nvPr>
+        </p:nvSpPr>
+        <p:spPr>
+          <a:noFill/>
+        </p:spPr>
+        <p:txBody>
+          <a:bodyPr/>
+          <a:lstStyle>
+            <a:lvl1pPr>
+              <a:spcBef>
+                <a:spcPct val="20000"/>
+              </a:spcBef>
+              <a:buChar char="•"/>
+              <a:defRPr sz="3200">
+                <a:solidFill>
+                  <a:schemeClr val="tx1"/>
+                </a:solidFill>
+                <a:latin typeface="Arial" panose="020B0604020202020204" pitchFamily="34" charset="0"/>
+                <a:cs typeface="Arial" panose="020B0604020202020204" pitchFamily="34" charset="0"/>
+              </a:defRPr>
+            </a:lvl1pPr>
+            <a:lvl2pPr marL="742950" indent="-285750">
+              <a:spcBef>
+                <a:spcPct val="20000"/>
+              </a:spcBef>
+              <a:buChar char="–"/>
+              <a:defRPr sz="2800">
+                <a:solidFill>
+                  <a:schemeClr val="tx1"/>
+                </a:solidFill>
+                <a:latin typeface="Arial" panose="020B0604020202020204" pitchFamily="34" charset="0"/>
+                <a:cs typeface="Arial" panose="020B0604020202020204" pitchFamily="34" charset="0"/>
+              </a:defRPr>
+            </a:lvl2pPr>
+            <a:lvl3pPr marL="1143000" indent="-228600">
+              <a:spcBef>
+                <a:spcPct val="20000"/>
+              </a:spcBef>
+              <a:buChar char="•"/>
+              <a:defRPr sz="2400">
+                <a:solidFill>
+                  <a:schemeClr val="tx1"/>
+                </a:solidFill>
+                <a:latin typeface="Arial" panose="020B0604020202020204" pitchFamily="34" charset="0"/>
+                <a:cs typeface="Arial" panose="020B0604020202020204" pitchFamily="34" charset="0"/>
+              </a:defRPr>
+            </a:lvl3pPr>
+            <a:lvl4pPr marL="1600200" indent="-228600">
+              <a:spcBef>
+                <a:spcPct val="20000"/>
+              </a:spcBef>
+              <a:buChar char="–"/>
+              <a:defRPr sz="2000">
+                <a:solidFill>
+                  <a:schemeClr val="tx1"/>
+                </a:solidFill>
+                <a:latin typeface="Arial" panose="020B0604020202020204" pitchFamily="34" charset="0"/>
+                <a:cs typeface="Arial" panose="020B0604020202020204" pitchFamily="34" charset="0"/>
+              </a:defRPr>
+            </a:lvl4pPr>
+            <a:lvl5pPr marL="2057400" indent="-228600">
+              <a:spcBef>
+                <a:spcPct val="20000"/>
+              </a:spcBef>
+              <a:buChar char="»"/>
+              <a:defRPr sz="2000">
+                <a:solidFill>
+                  <a:schemeClr val="tx1"/>
+                </a:solidFill>
+                <a:latin typeface="Arial" panose="020B0604020202020204" pitchFamily="34" charset="0"/>
+                <a:cs typeface="Arial" panose="020B0604020202020204" pitchFamily="34" charset="0"/>
+              </a:defRPr>
+            </a:lvl5pPr>
+            <a:lvl6pPr marL="2514600" indent="-228600" eaLnBrk="0" fontAlgn="base" hangingPunct="0">
+              <a:spcBef>
+                <a:spcPct val="20000"/>
+              </a:spcBef>
+              <a:spcAft>
+                <a:spcPct val="0"/>
+              </a:spcAft>
+              <a:buChar char="»"/>
+              <a:defRPr sz="2000">
+                <a:solidFill>
+                  <a:schemeClr val="tx1"/>
+                </a:solidFill>
+                <a:latin typeface="Arial" panose="020B0604020202020204" pitchFamily="34" charset="0"/>
+                <a:cs typeface="Arial" panose="020B0604020202020204" pitchFamily="34" charset="0"/>
+              </a:defRPr>
+            </a:lvl6pPr>
+            <a:lvl7pPr marL="2971800" indent="-228600" eaLnBrk="0" fontAlgn="base" hangingPunct="0">
+              <a:spcBef>
+                <a:spcPct val="20000"/>
+              </a:spcBef>
+              <a:spcAft>
+                <a:spcPct val="0"/>
+              </a:spcAft>
+              <a:buChar char="»"/>
+              <a:defRPr sz="2000">
+                <a:solidFill>
+                  <a:schemeClr val="tx1"/>
+                </a:solidFill>
+                <a:latin typeface="Arial" panose="020B0604020202020204" pitchFamily="34" charset="0"/>
+                <a:cs typeface="Arial" panose="020B0604020202020204" pitchFamily="34" charset="0"/>
+              </a:defRPr>
+            </a:lvl7pPr>
+            <a:lvl8pPr marL="3429000" indent="-228600" eaLnBrk="0" fontAlgn="base" hangingPunct="0">
+              <a:spcBef>
+                <a:spcPct val="20000"/>
+              </a:spcBef>
+              <a:spcAft>
+                <a:spcPct val="0"/>
+              </a:spcAft>
+              <a:buChar char="»"/>
+              <a:defRPr sz="2000">
+                <a:solidFill>
+                  <a:schemeClr val="tx1"/>
+                </a:solidFill>
+                <a:latin typeface="Arial" panose="020B0604020202020204" pitchFamily="34" charset="0"/>
+                <a:cs typeface="Arial" panose="020B0604020202020204" pitchFamily="34" charset="0"/>
+              </a:defRPr>
+            </a:lvl8pPr>
+            <a:lvl9pPr marL="3886200" indent="-228600" eaLnBrk="0" fontAlgn="base" hangingPunct="0">
+              <a:spcBef>
+                <a:spcPct val="20000"/>
+              </a:spcBef>
+              <a:spcAft>
+                <a:spcPct val="0"/>
+              </a:spcAft>
+              <a:buChar char="»"/>
+              <a:defRPr sz="2000">
+                <a:solidFill>
+                  <a:schemeClr val="tx1"/>
+                </a:solidFill>
+                <a:latin typeface="Arial" panose="020B0604020202020204" pitchFamily="34" charset="0"/>
+                <a:cs typeface="Arial" panose="020B0604020202020204" pitchFamily="34" charset="0"/>
+              </a:defRPr>
+            </a:lvl9pPr>
+          </a:lstStyle>
+          <a:p>
+            <a:pPr>
+              <a:spcBef>
+                <a:spcPct val="0"/>
+              </a:spcBef>
+              <a:buFontTx/>
+              <a:buNone/>
+            </a:pPr>
+            <a:fld id="{80DBA237-C4D3-4E31-8467-DEB8861AC52E}" type="slidenum">
+              <a:rPr lang="zh-CN" altLang="en-SG" sz="1400"/>
+              <a:pPr>
+                <a:spcBef>
+                  <a:spcPct val="0"/>
+                </a:spcBef>
+                <a:buFontTx/>
+                <a:buNone/>
+              </a:pPr>
+              <a:t>16</a:t>
+            </a:fld>
+            <a:endParaRPr lang="en-SG" altLang="zh-CN" sz="1400"/>
+          </a:p>
+        </p:txBody>
+      </p:sp>
+      <p:sp>
+        <p:nvSpPr>
+          <p:cNvPr id="10" name="Oval 9"/>
+          <p:cNvSpPr/>
+          <p:nvPr/>
+        </p:nvSpPr>
+        <p:spPr>
+          <a:xfrm>
+            <a:off x="3603626" y="1101726"/>
+            <a:ext cx="4860925" cy="4703763"/>
+          </a:xfrm>
+          <a:prstGeom prst="ellipse">
+            <a:avLst/>
+          </a:prstGeom>
+          <a:solidFill>
+            <a:schemeClr val="bg1">
+              <a:alpha val="85000"/>
+            </a:schemeClr>
+          </a:solidFill>
+          <a:ln>
+            <a:noFill/>
+          </a:ln>
+          <a:effectLst/>
+        </p:spPr>
+        <p:style>
+          <a:lnRef idx="1">
+            <a:schemeClr val="accent1"/>
+          </a:lnRef>
+          <a:fillRef idx="3">
+            <a:schemeClr val="accent1"/>
+          </a:fillRef>
+          <a:effectRef idx="2">
+            <a:schemeClr val="accent1"/>
+          </a:effectRef>
+          <a:fontRef idx="minor">
+            <a:schemeClr val="lt1"/>
+          </a:fontRef>
+        </p:style>
+        <p:txBody>
+          <a:bodyPr anchor="ctr"/>
+          <a:lstStyle/>
+          <a:p>
+            <a:pPr algn="ctr" eaLnBrk="1" hangingPunct="1">
+              <a:defRPr/>
+            </a:pPr>
+            <a:endParaRPr lang="en-US"/>
+          </a:p>
+        </p:txBody>
+      </p:sp>
+      <p:sp>
+        <p:nvSpPr>
+          <p:cNvPr id="12" name="Title 1"/>
+          <p:cNvSpPr txBox="1">
+            <a:spLocks/>
+          </p:cNvSpPr>
+          <p:nvPr/>
+        </p:nvSpPr>
+        <p:spPr bwMode="auto">
+          <a:xfrm>
+            <a:off x="3017838" y="3416301"/>
+            <a:ext cx="6030912" cy="1776413"/>
+          </a:xfrm>
+          <a:prstGeom prst="rect">
+            <a:avLst/>
+          </a:prstGeom>
+          <a:noFill/>
+          <a:ln>
+            <a:noFill/>
+          </a:ln>
+          <a:effectLst/>
+          <a:extLst>
+            <a:ext uri="{909E8E84-426E-40DD-AFC4-6F175D3DCCD1}">
+              <a14:hiddenFill xmlns:a14="http://schemas.microsoft.com/office/drawing/2010/main">
+                <a:solidFill>
+                  <a:schemeClr val="accent1"/>
+                </a:solidFill>
+              </a14:hiddenFill>
+            </a:ext>
+            <a:ext uri="{91240B29-F687-4F45-9708-019B960494DF}">
+              <a14:hiddenLine xmlns:a14="http://schemas.microsoft.com/office/drawing/2010/main" w="9525">
+                <a:solidFill>
+                  <a:schemeClr val="tx1"/>
+                </a:solidFill>
+                <a:miter lim="800000"/>
+                <a:headEnd/>
+                <a:tailEnd/>
+              </a14:hiddenLine>
+            </a:ext>
+            <a:ext uri="{AF507438-7753-43E0-B8FC-AC1667EBCBE1}">
+              <a14:hiddenEffects xmlns:a14="http://schemas.microsoft.com/office/drawing/2010/main">
+                <a:effectLst>
+                  <a:outerShdw dist="35921" dir="2700000" algn="ctr" rotWithShape="0">
+                    <a:schemeClr val="bg2"/>
+                  </a:outerShdw>
+                </a:effectLst>
+              </a14:hiddenEffects>
+            </a:ext>
+          </a:extLst>
+        </p:spPr>
+        <p:txBody>
+          <a:bodyPr anchor="ctr">
+            <a:normAutofit fontScale="97500"/>
+          </a:bodyPr>
+          <a:lstStyle>
+            <a:lvl1pPr algn="ctr" rtl="0" eaLnBrk="0" fontAlgn="base" hangingPunct="0">
+              <a:spcBef>
+                <a:spcPct val="0"/>
+              </a:spcBef>
+              <a:spcAft>
+                <a:spcPct val="0"/>
+              </a:spcAft>
+              <a:defRPr sz="4400">
+                <a:solidFill>
+                  <a:schemeClr val="tx2"/>
+                </a:solidFill>
+                <a:latin typeface="+mj-lt"/>
+                <a:ea typeface="+mj-ea"/>
+                <a:cs typeface="+mj-cs"/>
+              </a:defRPr>
+            </a:lvl1pPr>
+            <a:lvl2pPr algn="ctr" rtl="0" eaLnBrk="0" fontAlgn="base" hangingPunct="0">
+              <a:spcBef>
+                <a:spcPct val="0"/>
+              </a:spcBef>
+              <a:spcAft>
+                <a:spcPct val="0"/>
+              </a:spcAft>
+              <a:defRPr sz="4400">
+                <a:solidFill>
+                  <a:schemeClr val="tx2"/>
+                </a:solidFill>
+                <a:latin typeface="Arial" charset="0"/>
+                <a:cs typeface="Arial" charset="0"/>
+              </a:defRPr>
+            </a:lvl2pPr>
+            <a:lvl3pPr algn="ctr" rtl="0" eaLnBrk="0" fontAlgn="base" hangingPunct="0">
+              <a:spcBef>
+                <a:spcPct val="0"/>
+              </a:spcBef>
+              <a:spcAft>
+                <a:spcPct val="0"/>
+              </a:spcAft>
+              <a:defRPr sz="4400">
+                <a:solidFill>
+                  <a:schemeClr val="tx2"/>
+                </a:solidFill>
+                <a:latin typeface="Arial" charset="0"/>
+                <a:cs typeface="Arial" charset="0"/>
+              </a:defRPr>
+            </a:lvl3pPr>
+            <a:lvl4pPr algn="ctr" rtl="0" eaLnBrk="0" fontAlgn="base" hangingPunct="0">
+              <a:spcBef>
+                <a:spcPct val="0"/>
+              </a:spcBef>
+              <a:spcAft>
+                <a:spcPct val="0"/>
+              </a:spcAft>
+              <a:defRPr sz="4400">
+                <a:solidFill>
+                  <a:schemeClr val="tx2"/>
+                </a:solidFill>
+                <a:latin typeface="Arial" charset="0"/>
+                <a:cs typeface="Arial" charset="0"/>
+              </a:defRPr>
+            </a:lvl4pPr>
+            <a:lvl5pPr algn="ctr" rtl="0" eaLnBrk="0" fontAlgn="base" hangingPunct="0">
+              <a:spcBef>
+                <a:spcPct val="0"/>
+              </a:spcBef>
+              <a:spcAft>
+                <a:spcPct val="0"/>
+              </a:spcAft>
+              <a:defRPr sz="4400">
+                <a:solidFill>
+                  <a:schemeClr val="tx2"/>
+                </a:solidFill>
+                <a:latin typeface="Arial" charset="0"/>
+                <a:cs typeface="Arial" charset="0"/>
+              </a:defRPr>
+            </a:lvl5pPr>
+            <a:lvl6pPr marL="457200" algn="ctr" rtl="0" fontAlgn="base">
+              <a:spcBef>
+                <a:spcPct val="0"/>
+              </a:spcBef>
+              <a:spcAft>
+                <a:spcPct val="0"/>
+              </a:spcAft>
+              <a:defRPr sz="4400">
+                <a:solidFill>
+                  <a:schemeClr val="tx2"/>
+                </a:solidFill>
+                <a:latin typeface="Arial" charset="0"/>
+                <a:cs typeface="Arial" charset="0"/>
+              </a:defRPr>
+            </a:lvl6pPr>
+            <a:lvl7pPr marL="914400" algn="ctr" rtl="0" fontAlgn="base">
+              <a:spcBef>
+                <a:spcPct val="0"/>
+              </a:spcBef>
+              <a:spcAft>
+                <a:spcPct val="0"/>
+              </a:spcAft>
+              <a:defRPr sz="4400">
+                <a:solidFill>
+                  <a:schemeClr val="tx2"/>
+                </a:solidFill>
+                <a:latin typeface="Arial" charset="0"/>
+                <a:cs typeface="Arial" charset="0"/>
+              </a:defRPr>
+            </a:lvl7pPr>
+            <a:lvl8pPr marL="1371600" algn="ctr" rtl="0" fontAlgn="base">
+              <a:spcBef>
+                <a:spcPct val="0"/>
+              </a:spcBef>
+              <a:spcAft>
+                <a:spcPct val="0"/>
+              </a:spcAft>
+              <a:defRPr sz="4400">
+                <a:solidFill>
+                  <a:schemeClr val="tx2"/>
+                </a:solidFill>
+                <a:latin typeface="Arial" charset="0"/>
+                <a:cs typeface="Arial" charset="0"/>
+              </a:defRPr>
+            </a:lvl8pPr>
+            <a:lvl9pPr marL="1828800" algn="ctr" rtl="0" fontAlgn="base">
+              <a:spcBef>
+                <a:spcPct val="0"/>
+              </a:spcBef>
+              <a:spcAft>
+                <a:spcPct val="0"/>
+              </a:spcAft>
+              <a:defRPr sz="4400">
+                <a:solidFill>
+                  <a:schemeClr val="tx2"/>
+                </a:solidFill>
+                <a:latin typeface="Arial" charset="0"/>
+                <a:cs typeface="Arial" charset="0"/>
+              </a:defRPr>
+            </a:lvl9pPr>
+          </a:lstStyle>
+          <a:p>
+            <a:pPr>
+              <a:defRPr/>
+            </a:pPr>
+            <a:r>
+              <a:rPr lang="en-US" sz="6600" b="1" kern="0" dirty="0">
+                <a:solidFill>
+                  <a:schemeClr val="tx1">
+                    <a:lumMod val="75000"/>
+                    <a:lumOff val="25000"/>
+                  </a:schemeClr>
+                </a:solidFill>
+                <a:cs typeface="Aaux ProBold"/>
+              </a:rPr>
+              <a:t>Thank you</a:t>
+            </a:r>
+            <a:endParaRPr lang="en-US" sz="6600" b="1" kern="0" dirty="0">
+              <a:solidFill>
+                <a:schemeClr val="tx1">
+                  <a:lumMod val="75000"/>
+                  <a:lumOff val="25000"/>
+                </a:schemeClr>
+              </a:solidFill>
+              <a:latin typeface="Aaux ProBold"/>
+              <a:cs typeface="Aaux ProBold"/>
+            </a:endParaRPr>
+          </a:p>
+        </p:txBody>
+      </p:sp>
+      <p:pic>
+        <p:nvPicPr>
+          <p:cNvPr id="2" name="Picture 1"/>
+          <p:cNvPicPr>
+            <a:picLocks noChangeAspect="1"/>
+          </p:cNvPicPr>
+          <p:nvPr/>
+        </p:nvPicPr>
+        <p:blipFill>
+          <a:blip r:embed="rId3"/>
+          <a:stretch>
+            <a:fillRect/>
+          </a:stretch>
+        </p:blipFill>
+        <p:spPr>
+          <a:xfrm>
+            <a:off x="4005154" y="1555317"/>
+            <a:ext cx="4056279" cy="2104195"/>
+          </a:xfrm>
+          <a:prstGeom prst="rect">
+            <a:avLst/>
+          </a:prstGeom>
+        </p:spPr>
+      </p:pic>
+    </p:spTree>
+    <p:extLst>
+      <p:ext uri="{BB962C8B-B14F-4D97-AF65-F5344CB8AC3E}">
+        <p14:creationId xmlns:p14="http://schemas.microsoft.com/office/powerpoint/2010/main" val="57935568"/>
       </p:ext>
     </p:extLst>
   </p:cSld>
@@ -8641,11 +9397,6 @@
               </a:rPr>
               <a:t>Q3-4</a:t>
             </a:r>
-            <a:endParaRPr lang="en-SG" sz="2400" b="1" dirty="0" smtClean="0">
-              <a:solidFill>
-                <a:schemeClr val="tx1"/>
-              </a:solidFill>
-            </a:endParaRPr>
           </a:p>
         </p:txBody>
       </p:sp>
@@ -8935,11 +9686,6 @@
               </a:rPr>
               <a:t>Q4</a:t>
             </a:r>
-            <a:endParaRPr lang="en-SG" sz="2400" b="1" dirty="0" smtClean="0">
-              <a:solidFill>
-                <a:schemeClr val="tx1"/>
-              </a:solidFill>
-            </a:endParaRPr>
           </a:p>
         </p:txBody>
       </p:sp>
